--- a/JDBC.pptx
+++ b/JDBC.pptx
@@ -22,6 +22,7 @@
     <p:sldId id="272" r:id="rId16"/>
     <p:sldId id="268" r:id="rId17"/>
     <p:sldId id="271" r:id="rId18"/>
+    <p:sldId id="273" r:id="rId19"/>
   </p:sldIdLst>
   <p:sldSz cx="12192000" cy="6858000"/>
   <p:notesSz cx="6858000" cy="9144000"/>
@@ -3029,11 +3030,7 @@
             </a:r>
             <a:r>
               <a:rPr lang="en-US" b="1" smtClean="0"/>
-              <a:t> </a:t>
-            </a:r>
-            <a:r>
-              <a:rPr lang="en-US" b="1" smtClean="0"/>
-              <a:t>Sergei</a:t>
+              <a:t> Sergei</a:t>
             </a:r>
           </a:p>
           <a:p>
@@ -3041,7 +3038,6 @@
               <a:rPr lang="en-US" smtClean="0"/>
               <a:t>demonstration code is in git repository:</a:t>
             </a:r>
-            <a:endParaRPr lang="en-US" smtClean="0"/>
           </a:p>
           <a:p>
             <a:r>
@@ -3052,7 +3048,17 @@
                   </a:schemeClr>
                 </a:solidFill>
               </a:rPr>
-              <a:t>https://github.com/4uhonec/JDBC-demo.git</a:t>
+              <a:t>https://</a:t>
+            </a:r>
+            <a:r>
+              <a:rPr lang="en-US" smtClean="0">
+                <a:solidFill>
+                  <a:schemeClr val="accent2">
+                    <a:lumMod val="75000"/>
+                  </a:schemeClr>
+                </a:solidFill>
+              </a:rPr>
+              <a:t>github.com/4uhonec/JDBC-demo</a:t>
             </a:r>
             <a:endParaRPr lang="en-US">
               <a:solidFill>
@@ -3264,11 +3270,7 @@
             </a:pPr>
             <a:r>
               <a:rPr lang="en-US" sz="1800" b="1" smtClean="0"/>
-              <a:t>- Executing the </a:t>
-            </a:r>
-            <a:r>
-              <a:rPr lang="en-US" sz="1800" b="1" smtClean="0"/>
-              <a:t>query (</a:t>
+              <a:t>- Executing the query (</a:t>
             </a:r>
             <a:r>
               <a:rPr lang="en-US" sz="1800" smtClean="0"/>
@@ -3278,7 +3280,6 @@
               <a:rPr lang="en-US" sz="1800" b="1" smtClean="0"/>
               <a:t>)</a:t>
             </a:r>
-            <a:endParaRPr lang="en-US" sz="1800" b="1" smtClean="0"/>
           </a:p>
           <a:p>
             <a:pPr marL="0" indent="0">
@@ -3651,11 +3652,7 @@
             </a:r>
             <a:r>
               <a:rPr lang="en-US" sz="1800" smtClean="0"/>
-              <a:t> </a:t>
-            </a:r>
-            <a:r>
-              <a:rPr lang="en-US" sz="1800" smtClean="0"/>
-              <a:t>objects</a:t>
+              <a:t> objects</a:t>
             </a:r>
           </a:p>
           <a:p>
@@ -3703,11 +3700,7 @@
             </a:r>
             <a:r>
               <a:rPr lang="en-US" sz="1800"/>
-              <a:t>you want to encapsulate one or more statements in a transaction, you must disable the auto-commit mode. To do this, you call the setAutoCommit() method of the Connection object as </a:t>
-            </a:r>
-            <a:r>
-              <a:rPr lang="en-US" sz="1800"/>
-              <a:t>follows</a:t>
+              <a:t>you want to encapsulate one or more statements in a transaction, you must disable the auto-commit mode. To do this, you call the setAutoCommit() method of the Connection object as follows</a:t>
             </a:r>
             <a:r>
               <a:rPr lang="en-US" sz="1800" smtClean="0"/>
@@ -3827,7 +3820,6 @@
               <a:rPr lang="en-US" b="1" smtClean="0"/>
               <a:t>Statements methods</a:t>
             </a:r>
-            <a:endParaRPr lang="en-US" b="1" smtClean="0"/>
           </a:p>
           <a:p>
             <a:pPr marL="0" indent="0">
@@ -4033,17 +4025,7 @@
                   </a:schemeClr>
                 </a:solidFill>
               </a:rPr>
-              <a:t>int affectedROws = </a:t>
-            </a:r>
-            <a:r>
-              <a:rPr lang="en-US" sz="1800" smtClean="0">
-                <a:solidFill>
-                  <a:schemeClr val="accent2">
-                    <a:lumMod val="75000"/>
-                  </a:schemeClr>
-                </a:solidFill>
-              </a:rPr>
-              <a:t>statement.</a:t>
+              <a:t>int affectedROws = statement.</a:t>
             </a:r>
             <a:r>
               <a:rPr lang="en-US" sz="1800" smtClean="0">
@@ -4085,13 +4067,6 @@
               </a:rPr>
               <a:t>();</a:t>
             </a:r>
-            <a:endParaRPr lang="en-US" sz="1800" smtClean="0">
-              <a:solidFill>
-                <a:schemeClr val="accent2">
-                  <a:lumMod val="75000"/>
-                </a:schemeClr>
-              </a:solidFill>
-            </a:endParaRPr>
           </a:p>
           <a:p>
             <a:pPr marL="0" indent="0">
@@ -4683,11 +4658,7 @@
             </a:pPr>
             <a:r>
               <a:rPr lang="en-US" sz="1800"/>
-              <a:t>We will call a built-in string function initcap() that capitalizes each word in a </a:t>
-            </a:r>
-            <a:r>
-              <a:rPr lang="en-US" sz="1800"/>
-              <a:t>string</a:t>
+              <a:t>We will call a built-in string function initcap() that capitalizes each word in a string</a:t>
             </a:r>
             <a:r>
               <a:rPr lang="en-US" sz="1800" smtClean="0"/>
@@ -4706,17 +4677,7 @@
                   </a:schemeClr>
                 </a:solidFill>
               </a:rPr>
-              <a:t>public String properCase(String s) </a:t>
-            </a:r>
-            <a:r>
-              <a:rPr lang="en-US" sz="1800">
-                <a:solidFill>
-                  <a:schemeClr val="accent2">
-                    <a:lumMod val="75000"/>
-                  </a:schemeClr>
-                </a:solidFill>
-              </a:rPr>
-              <a:t>{ </a:t>
+              <a:t>public String properCase(String s) { </a:t>
             </a:r>
             <a:endParaRPr lang="en-US" sz="1800" smtClean="0">
               <a:solidFill>
@@ -4758,17 +4719,7 @@
                   </a:schemeClr>
                 </a:solidFill>
               </a:rPr>
-              <a:t>result = s</a:t>
-            </a:r>
-            <a:r>
-              <a:rPr lang="en-US" sz="1800">
-                <a:solidFill>
-                  <a:schemeClr val="accent2">
-                    <a:lumMod val="75000"/>
-                  </a:schemeClr>
-                </a:solidFill>
-              </a:rPr>
-              <a:t>; </a:t>
+              <a:t>result = s; </a:t>
             </a:r>
             <a:endParaRPr lang="en-US" sz="1800" smtClean="0">
               <a:solidFill>
@@ -4810,17 +4761,7 @@
                   </a:schemeClr>
                 </a:solidFill>
               </a:rPr>
-              <a:t>(Connection conn = this.connect</a:t>
-            </a:r>
-            <a:r>
-              <a:rPr lang="en-US" sz="1800">
-                <a:solidFill>
-                  <a:schemeClr val="accent2">
-                    <a:lumMod val="75000"/>
-                  </a:schemeClr>
-                </a:solidFill>
-              </a:rPr>
-              <a:t>(); </a:t>
+              <a:t>(Connection conn = this.connect(); </a:t>
             </a:r>
             <a:endParaRPr lang="en-US" sz="1800" smtClean="0">
               <a:solidFill>
@@ -4862,7 +4803,17 @@
                   </a:schemeClr>
                 </a:solidFill>
               </a:rPr>
-              <a:t>properCase = conn.prepareCall("{ ? = call initcap( ? ) }")) </a:t>
+              <a:t>properCase = conn.prepareCall("{ ? = call initcap( ? ) }")) { </a:t>
+            </a:r>
+            <a:r>
+              <a:rPr lang="en-US" sz="1800" smtClean="0">
+                <a:solidFill>
+                  <a:schemeClr val="accent2">
+                    <a:lumMod val="75000"/>
+                  </a:schemeClr>
+                </a:solidFill>
+              </a:rPr>
+              <a:t>					properCase.registerOutParameter(1</a:t>
             </a:r>
             <a:r>
               <a:rPr lang="en-US" sz="1800">
@@ -4872,37 +4823,7 @@
                   </a:schemeClr>
                 </a:solidFill>
               </a:rPr>
-              <a:t>{ </a:t>
-            </a:r>
-            <a:r>
-              <a:rPr lang="en-US" sz="1800" smtClean="0">
-                <a:solidFill>
-                  <a:schemeClr val="accent2">
-                    <a:lumMod val="75000"/>
-                  </a:schemeClr>
-                </a:solidFill>
-              </a:rPr>
-              <a:t>					properCase.registerOutParameter(1</a:t>
-            </a:r>
-            <a:r>
-              <a:rPr lang="en-US" sz="1800">
-                <a:solidFill>
-                  <a:schemeClr val="accent2">
-                    <a:lumMod val="75000"/>
-                  </a:schemeClr>
-                </a:solidFill>
-              </a:rPr>
-              <a:t>, Types.VARCHAR</a:t>
-            </a:r>
-            <a:r>
-              <a:rPr lang="en-US" sz="1800">
-                <a:solidFill>
-                  <a:schemeClr val="accent2">
-                    <a:lumMod val="75000"/>
-                  </a:schemeClr>
-                </a:solidFill>
-              </a:rPr>
-              <a:t>); </a:t>
+              <a:t>, Types.VARCHAR); </a:t>
             </a:r>
             <a:endParaRPr lang="en-US" sz="1800" smtClean="0">
               <a:solidFill>
@@ -4944,17 +4865,7 @@
                   </a:schemeClr>
                 </a:solidFill>
               </a:rPr>
-              <a:t>, s</a:t>
-            </a:r>
-            <a:r>
-              <a:rPr lang="en-US" sz="1800">
-                <a:solidFill>
-                  <a:schemeClr val="accent2">
-                    <a:lumMod val="75000"/>
-                  </a:schemeClr>
-                </a:solidFill>
-              </a:rPr>
-              <a:t>); </a:t>
+              <a:t>, s); </a:t>
             </a:r>
             <a:endParaRPr lang="en-US" sz="1800" smtClean="0">
               <a:solidFill>
@@ -5038,17 +4949,7 @@
                   </a:schemeClr>
                 </a:solidFill>
               </a:rPr>
-              <a:t>= properCase.getString(1</a:t>
-            </a:r>
-            <a:r>
-              <a:rPr lang="en-US" sz="1800">
-                <a:solidFill>
-                  <a:schemeClr val="accent2">
-                    <a:lumMod val="75000"/>
-                  </a:schemeClr>
-                </a:solidFill>
-              </a:rPr>
-              <a:t>); </a:t>
+              <a:t>= properCase.getString(1); </a:t>
             </a:r>
             <a:endParaRPr lang="en-US" sz="1800" smtClean="0">
               <a:solidFill>
@@ -5090,7 +4991,17 @@
                   </a:schemeClr>
                 </a:solidFill>
               </a:rPr>
-              <a:t>catch (SQLException e) </a:t>
+              <a:t>catch (SQLException e) { </a:t>
+            </a:r>
+            <a:r>
+              <a:rPr lang="en-US" sz="1800" smtClean="0">
+                <a:solidFill>
+                  <a:schemeClr val="accent2">
+                    <a:lumMod val="75000"/>
+                  </a:schemeClr>
+                </a:solidFill>
+              </a:rPr>
+              <a:t>System.out.println(e.getMessage</a:t>
             </a:r>
             <a:r>
               <a:rPr lang="en-US" sz="1800">
@@ -5100,37 +5011,7 @@
                   </a:schemeClr>
                 </a:solidFill>
               </a:rPr>
-              <a:t>{ </a:t>
-            </a:r>
-            <a:r>
-              <a:rPr lang="en-US" sz="1800" smtClean="0">
-                <a:solidFill>
-                  <a:schemeClr val="accent2">
-                    <a:lumMod val="75000"/>
-                  </a:schemeClr>
-                </a:solidFill>
-              </a:rPr>
-              <a:t>System.out.println(e.getMessage</a:t>
-            </a:r>
-            <a:r>
-              <a:rPr lang="en-US" sz="1800">
-                <a:solidFill>
-                  <a:schemeClr val="accent2">
-                    <a:lumMod val="75000"/>
-                  </a:schemeClr>
-                </a:solidFill>
-              </a:rPr>
-              <a:t>()); </a:t>
-            </a:r>
-            <a:r>
-              <a:rPr lang="en-US" sz="1800">
-                <a:solidFill>
-                  <a:schemeClr val="accent2">
-                    <a:lumMod val="75000"/>
-                  </a:schemeClr>
-                </a:solidFill>
-              </a:rPr>
-              <a:t>} </a:t>
+              <a:t>()); } </a:t>
             </a:r>
             <a:endParaRPr lang="en-US" sz="1800" smtClean="0">
               <a:solidFill>
@@ -5172,17 +5053,7 @@
                   </a:schemeClr>
                 </a:solidFill>
               </a:rPr>
-              <a:t>result; </a:t>
-            </a:r>
-            <a:r>
-              <a:rPr lang="en-US" sz="1800">
-                <a:solidFill>
-                  <a:schemeClr val="accent2">
-                    <a:lumMod val="75000"/>
-                  </a:schemeClr>
-                </a:solidFill>
-              </a:rPr>
-              <a:t>} </a:t>
+              <a:t>result; } </a:t>
             </a:r>
             <a:endParaRPr lang="en-US" sz="1800" smtClean="0">
               <a:solidFill>
@@ -5214,17 +5085,7 @@
                   </a:schemeClr>
                 </a:solidFill>
               </a:rPr>
-              <a:t>static void main(String[] args) </a:t>
-            </a:r>
-            <a:r>
-              <a:rPr lang="en-US" sz="1800">
-                <a:solidFill>
-                  <a:schemeClr val="accent2">
-                    <a:lumMod val="75000"/>
-                  </a:schemeClr>
-                </a:solidFill>
-              </a:rPr>
-              <a:t>{ </a:t>
+              <a:t>static void main(String[] args) { </a:t>
             </a:r>
             <a:endParaRPr lang="en-US" sz="1800" smtClean="0">
               <a:solidFill>
@@ -5266,8 +5127,23 @@
                   </a:schemeClr>
                 </a:solidFill>
               </a:rPr>
-              <a:t>app = new </a:t>
-            </a:r>
+              <a:t>app = new App</a:t>
+            </a:r>
+            <a:r>
+              <a:rPr lang="en-US" sz="1800" smtClean="0">
+                <a:solidFill>
+                  <a:schemeClr val="accent2">
+                    <a:lumMod val="75000"/>
+                  </a:schemeClr>
+                </a:solidFill>
+              </a:rPr>
+              <a:t>();</a:t>
+            </a:r>
+          </a:p>
+          <a:p>
+            <a:pPr marL="0" indent="0">
+              <a:buNone/>
+            </a:pPr>
             <a:r>
               <a:rPr lang="en-US" sz="1800">
                 <a:solidFill>
@@ -5276,23 +5152,18 @@
                   </a:schemeClr>
                 </a:solidFill>
               </a:rPr>
-              <a:t>App</a:t>
-            </a:r>
-            <a:r>
-              <a:rPr lang="en-US" sz="1800" smtClean="0">
-                <a:solidFill>
-                  <a:schemeClr val="accent2">
-                    <a:lumMod val="75000"/>
-                  </a:schemeClr>
-                </a:solidFill>
-              </a:rPr>
-              <a:t>();</a:t>
-            </a:r>
-          </a:p>
-          <a:p>
-            <a:pPr marL="0" indent="0">
-              <a:buNone/>
-            </a:pPr>
+              <a:t>	</a:t>
+            </a:r>
+            <a:r>
+              <a:rPr lang="en-US" sz="1800" smtClean="0">
+                <a:solidFill>
+                  <a:schemeClr val="accent2">
+                    <a:lumMod val="75000"/>
+                  </a:schemeClr>
+                </a:solidFill>
+              </a:rPr>
+              <a:t> System.out.println(app.properCase</a:t>
+            </a:r>
             <a:r>
               <a:rPr lang="en-US" sz="1800">
                 <a:solidFill>
@@ -5301,37 +5172,7 @@
                   </a:schemeClr>
                 </a:solidFill>
               </a:rPr>
-              <a:t>	</a:t>
-            </a:r>
-            <a:r>
-              <a:rPr lang="en-US" sz="1800" smtClean="0">
-                <a:solidFill>
-                  <a:schemeClr val="accent2">
-                    <a:lumMod val="75000"/>
-                  </a:schemeClr>
-                </a:solidFill>
-              </a:rPr>
-              <a:t> System.out.println(app.properCase</a:t>
-            </a:r>
-            <a:r>
-              <a:rPr lang="en-US" sz="1800">
-                <a:solidFill>
-                  <a:schemeClr val="accent2">
-                    <a:lumMod val="75000"/>
-                  </a:schemeClr>
-                </a:solidFill>
-              </a:rPr>
-              <a:t>("this is the actor list:")); </a:t>
-            </a:r>
-            <a:r>
-              <a:rPr lang="en-US" sz="1800">
-                <a:solidFill>
-                  <a:schemeClr val="accent2">
-                    <a:lumMod val="75000"/>
-                  </a:schemeClr>
-                </a:solidFill>
-              </a:rPr>
-              <a:t>} </a:t>
+              <a:t>("this is the actor list:")); } </a:t>
             </a:r>
             <a:endParaRPr lang="en-US" sz="1800" smtClean="0">
               <a:solidFill>
@@ -5367,17 +5208,7 @@
                   </a:schemeClr>
                 </a:solidFill>
               </a:rPr>
-              <a:t>Is The Actor </a:t>
-            </a:r>
-            <a:r>
-              <a:rPr lang="en-US" sz="2000">
-                <a:solidFill>
-                  <a:schemeClr val="accent6">
-                    <a:lumMod val="75000"/>
-                  </a:schemeClr>
-                </a:solidFill>
-              </a:rPr>
-              <a:t>List</a:t>
+              <a:t>Is The Actor List</a:t>
             </a:r>
             <a:r>
               <a:rPr lang="en-US" sz="2000" smtClean="0">
@@ -5971,7 +5802,6 @@
               <a:rPr lang="en-US" sz="1800" smtClean="0"/>
               <a:t>updateInt(), updateString(), rowUpdated(), rowInserted() and so on...</a:t>
             </a:r>
-            <a:endParaRPr lang="en-US" sz="1800" smtClean="0"/>
           </a:p>
         </p:txBody>
       </p:sp>
@@ -6025,7 +5855,317 @@
           <a:bodyPr/>
           <a:lstStyle/>
           <a:p>
-            <a:endParaRPr lang="en-US"/>
+            <a:pPr marL="0" indent="0" algn="ctr">
+              <a:buNone/>
+            </a:pPr>
+            <a:r>
+              <a:rPr lang="en-US" b="1" smtClean="0"/>
+              <a:t>RowSet</a:t>
+            </a:r>
+          </a:p>
+          <a:p>
+            <a:pPr marL="0" indent="0">
+              <a:buNone/>
+            </a:pPr>
+            <a:r>
+              <a:rPr lang="en-US" sz="1800" smtClean="0"/>
+              <a:t>Wrapper </a:t>
+            </a:r>
+            <a:r>
+              <a:rPr lang="en-US" sz="1800"/>
+              <a:t>for the ResultSet object that adds some extra </a:t>
+            </a:r>
+            <a:r>
+              <a:rPr lang="en-US" sz="1800"/>
+              <a:t>features</a:t>
+            </a:r>
+            <a:r>
+              <a:rPr lang="en-US" sz="1800" smtClean="0"/>
+              <a:t>. It is </a:t>
+            </a:r>
+            <a:r>
+              <a:rPr lang="en-US" sz="1800" smtClean="0">
+                <a:solidFill>
+                  <a:srgbClr val="FF0000"/>
+                </a:solidFill>
+              </a:rPr>
+              <a:t>always</a:t>
+            </a:r>
+            <a:r>
+              <a:rPr lang="en-US" sz="1800" smtClean="0"/>
+              <a:t> connected to the database.</a:t>
+            </a:r>
+          </a:p>
+          <a:p>
+            <a:pPr marL="0" indent="0">
+              <a:buNone/>
+            </a:pPr>
+            <a:r>
+              <a:rPr lang="en-US" sz="1800" smtClean="0">
+                <a:solidFill>
+                  <a:schemeClr val="accent2">
+                    <a:lumMod val="75000"/>
+                  </a:schemeClr>
+                </a:solidFill>
+              </a:rPr>
+              <a:t>try{</a:t>
+            </a:r>
+          </a:p>
+          <a:p>
+            <a:pPr marL="0" indent="0">
+              <a:buNone/>
+            </a:pPr>
+            <a:r>
+              <a:rPr lang="en-US" sz="1800" smtClean="0">
+                <a:solidFill>
+                  <a:schemeClr val="accent2">
+                    <a:lumMod val="75000"/>
+                  </a:schemeClr>
+                </a:solidFill>
+              </a:rPr>
+              <a:t>	JdbcRowSet rs = RowSetProvider.newFactory().createJdbcRowSet();</a:t>
+            </a:r>
+          </a:p>
+          <a:p>
+            <a:pPr marL="0" indent="0">
+              <a:buNone/>
+            </a:pPr>
+            <a:r>
+              <a:rPr lang="en-US" sz="1800">
+                <a:solidFill>
+                  <a:schemeClr val="accent2">
+                    <a:lumMod val="75000"/>
+                  </a:schemeClr>
+                </a:solidFill>
+              </a:rPr>
+              <a:t>	</a:t>
+            </a:r>
+            <a:r>
+              <a:rPr lang="en-US" sz="1800" smtClean="0">
+                <a:solidFill>
+                  <a:schemeClr val="accent2">
+                    <a:lumMod val="75000"/>
+                  </a:schemeClr>
+                </a:solidFill>
+              </a:rPr>
+              <a:t>rs.setUrl(url);</a:t>
+            </a:r>
+          </a:p>
+          <a:p>
+            <a:pPr marL="0" indent="0">
+              <a:buNone/>
+            </a:pPr>
+            <a:r>
+              <a:rPr lang="en-US" sz="1800">
+                <a:solidFill>
+                  <a:schemeClr val="accent2">
+                    <a:lumMod val="75000"/>
+                  </a:schemeClr>
+                </a:solidFill>
+              </a:rPr>
+              <a:t>	</a:t>
+            </a:r>
+            <a:r>
+              <a:rPr lang="en-US" sz="1800" smtClean="0">
+                <a:solidFill>
+                  <a:schemeClr val="accent2">
+                    <a:lumMod val="75000"/>
+                  </a:schemeClr>
+                </a:solidFill>
+              </a:rPr>
+              <a:t>rs.setUsername(username);</a:t>
+            </a:r>
+          </a:p>
+          <a:p>
+            <a:pPr marL="0" indent="0">
+              <a:buNone/>
+            </a:pPr>
+            <a:r>
+              <a:rPr lang="en-US" sz="1800">
+                <a:solidFill>
+                  <a:schemeClr val="accent2">
+                    <a:lumMod val="75000"/>
+                  </a:schemeClr>
+                </a:solidFill>
+              </a:rPr>
+              <a:t>	</a:t>
+            </a:r>
+            <a:r>
+              <a:rPr lang="en-US" sz="1800" smtClean="0">
+                <a:solidFill>
+                  <a:schemeClr val="accent2">
+                    <a:lumMod val="75000"/>
+                  </a:schemeClr>
+                </a:solidFill>
+              </a:rPr>
+              <a:t>rs.setPassword(password);</a:t>
+            </a:r>
+          </a:p>
+          <a:p>
+            <a:pPr marL="0" indent="0">
+              <a:buNone/>
+            </a:pPr>
+            <a:r>
+              <a:rPr lang="en-US" sz="1800">
+                <a:solidFill>
+                  <a:schemeClr val="accent2">
+                    <a:lumMod val="75000"/>
+                  </a:schemeClr>
+                </a:solidFill>
+              </a:rPr>
+              <a:t>	</a:t>
+            </a:r>
+            <a:r>
+              <a:rPr lang="en-US" sz="1800" smtClean="0">
+                <a:solidFill>
+                  <a:schemeClr val="accent2">
+                    <a:lumMod val="75000"/>
+                  </a:schemeClr>
+                </a:solidFill>
+              </a:rPr>
+              <a:t>rs.setCommand("SELECT * FROM our_table WHERE name = ?");</a:t>
+            </a:r>
+          </a:p>
+          <a:p>
+            <a:pPr marL="0" indent="0">
+              <a:buNone/>
+            </a:pPr>
+            <a:r>
+              <a:rPr lang="en-US" sz="1800">
+                <a:solidFill>
+                  <a:schemeClr val="accent2">
+                    <a:lumMod val="75000"/>
+                  </a:schemeClr>
+                </a:solidFill>
+              </a:rPr>
+              <a:t>	</a:t>
+            </a:r>
+            <a:r>
+              <a:rPr lang="en-US" sz="1800" smtClean="0">
+                <a:solidFill>
+                  <a:schemeClr val="accent2">
+                    <a:lumMod val="75000"/>
+                  </a:schemeClr>
+                </a:solidFill>
+              </a:rPr>
+              <a:t>rs.setString(1, "Moshe");</a:t>
+            </a:r>
+          </a:p>
+          <a:p>
+            <a:pPr marL="0" indent="0">
+              <a:buNone/>
+            </a:pPr>
+            <a:r>
+              <a:rPr lang="en-US" sz="1800">
+                <a:solidFill>
+                  <a:schemeClr val="accent2">
+                    <a:lumMod val="75000"/>
+                  </a:schemeClr>
+                </a:solidFill>
+              </a:rPr>
+              <a:t>	</a:t>
+            </a:r>
+            <a:r>
+              <a:rPr lang="en-US" sz="1800" smtClean="0">
+                <a:solidFill>
+                  <a:schemeClr val="accent2">
+                    <a:lumMod val="75000"/>
+                  </a:schemeClr>
+                </a:solidFill>
+              </a:rPr>
+              <a:t>rs.execute();</a:t>
+            </a:r>
+          </a:p>
+          <a:p>
+            <a:pPr marL="0" indent="0">
+              <a:buNone/>
+            </a:pPr>
+            <a:r>
+              <a:rPr lang="en-US" sz="1800">
+                <a:solidFill>
+                  <a:schemeClr val="accent2">
+                    <a:lumMod val="75000"/>
+                  </a:schemeClr>
+                </a:solidFill>
+              </a:rPr>
+              <a:t>	</a:t>
+            </a:r>
+            <a:r>
+              <a:rPr lang="en-US" sz="1800" smtClean="0">
+                <a:solidFill>
+                  <a:schemeClr val="accent2">
+                    <a:lumMod val="75000"/>
+                  </a:schemeClr>
+                </a:solidFill>
+              </a:rPr>
+              <a:t>while(rs.next()){</a:t>
+            </a:r>
+          </a:p>
+          <a:p>
+            <a:pPr marL="0" indent="0">
+              <a:buNone/>
+            </a:pPr>
+            <a:r>
+              <a:rPr lang="en-US" sz="1800" smtClean="0">
+                <a:solidFill>
+                  <a:schemeClr val="accent2">
+                    <a:lumMod val="75000"/>
+                  </a:schemeClr>
+                </a:solidFill>
+              </a:rPr>
+              <a:t>		System.out.println(rs.getString("surname"));</a:t>
+            </a:r>
+            <a:endParaRPr lang="en-US" sz="1800">
+              <a:solidFill>
+                <a:schemeClr val="accent2">
+                  <a:lumMod val="75000"/>
+                </a:schemeClr>
+              </a:solidFill>
+            </a:endParaRPr>
+          </a:p>
+          <a:p>
+            <a:pPr marL="0" indent="0">
+              <a:buNone/>
+            </a:pPr>
+            <a:r>
+              <a:rPr lang="en-US" sz="1800" smtClean="0">
+                <a:solidFill>
+                  <a:schemeClr val="accent2">
+                    <a:lumMod val="75000"/>
+                  </a:schemeClr>
+                </a:solidFill>
+              </a:rPr>
+              <a:t>	}</a:t>
+            </a:r>
+            <a:endParaRPr lang="en-US" sz="1800">
+              <a:solidFill>
+                <a:schemeClr val="accent2">
+                  <a:lumMod val="75000"/>
+                </a:schemeClr>
+              </a:solidFill>
+            </a:endParaRPr>
+          </a:p>
+          <a:p>
+            <a:pPr marL="0" indent="0">
+              <a:buNone/>
+            </a:pPr>
+            <a:r>
+              <a:rPr lang="en-US" sz="1800" smtClean="0">
+                <a:solidFill>
+                  <a:schemeClr val="accent2">
+                    <a:lumMod val="75000"/>
+                  </a:schemeClr>
+                </a:solidFill>
+              </a:rPr>
+              <a:t>}catch(SQLException e){};</a:t>
+            </a:r>
+            <a:endParaRPr lang="en-US" sz="1800">
+              <a:solidFill>
+                <a:schemeClr val="accent2">
+                  <a:lumMod val="75000"/>
+                </a:schemeClr>
+              </a:solidFill>
+            </a:endParaRPr>
           </a:p>
         </p:txBody>
       </p:sp>
@@ -6033,6 +6173,163 @@
     <p:extLst>
       <p:ext uri="{BB962C8B-B14F-4D97-AF65-F5344CB8AC3E}">
         <p14:creationId xmlns:p14="http://schemas.microsoft.com/office/powerpoint/2010/main" val="2798264907"/>
+      </p:ext>
+    </p:extLst>
+  </p:cSld>
+  <p:clrMapOvr>
+    <a:masterClrMapping/>
+  </p:clrMapOvr>
+</p:sld>
+</file>
+
+<file path=ppt/slides/slide18.xml><?xml version="1.0" encoding="utf-8"?>
+<p:sld xmlns:a="http://schemas.openxmlformats.org/drawingml/2006/main" xmlns:r="http://schemas.openxmlformats.org/officeDocument/2006/relationships" xmlns:p="http://schemas.openxmlformats.org/presentationml/2006/main">
+  <p:cSld>
+    <p:spTree>
+      <p:nvGrpSpPr>
+        <p:cNvPr id="1" name=""/>
+        <p:cNvGrpSpPr/>
+        <p:nvPr/>
+      </p:nvGrpSpPr>
+      <p:grpSpPr>
+        <a:xfrm>
+          <a:off x="0" y="0"/>
+          <a:ext cx="0" cy="0"/>
+          <a:chOff x="0" y="0"/>
+          <a:chExt cx="0" cy="0"/>
+        </a:xfrm>
+      </p:grpSpPr>
+      <p:sp>
+        <p:nvSpPr>
+          <p:cNvPr id="3" name="Content Placeholder 2"/>
+          <p:cNvSpPr>
+            <a:spLocks noGrp="1"/>
+          </p:cNvSpPr>
+          <p:nvPr>
+            <p:ph idx="1"/>
+          </p:nvPr>
+        </p:nvSpPr>
+        <p:spPr>
+          <a:xfrm>
+            <a:off x="838200" y="662354"/>
+            <a:ext cx="10515600" cy="5514609"/>
+          </a:xfrm>
+        </p:spPr>
+        <p:txBody>
+          <a:bodyPr>
+            <a:normAutofit/>
+          </a:bodyPr>
+          <a:lstStyle/>
+          <a:p>
+            <a:pPr marL="0" indent="0">
+              <a:buNone/>
+            </a:pPr>
+            <a:r>
+              <a:rPr lang="en-US" sz="1800" smtClean="0"/>
+              <a:t>There are 5 types of RowSet:</a:t>
+            </a:r>
+          </a:p>
+          <a:p>
+            <a:pPr marL="0" indent="0">
+              <a:buNone/>
+            </a:pPr>
+            <a:r>
+              <a:rPr lang="en-US" sz="1800" b="1" smtClean="0"/>
+              <a:t>JdbcRowSet</a:t>
+            </a:r>
+            <a:r>
+              <a:rPr lang="en-US" sz="1800" smtClean="0"/>
+              <a:t> - always connected to database</a:t>
+            </a:r>
+          </a:p>
+          <a:p>
+            <a:pPr marL="0" indent="0">
+              <a:buNone/>
+            </a:pPr>
+            <a:r>
+              <a:rPr lang="en-US" sz="1800" b="1" smtClean="0"/>
+              <a:t>CachedRowSet</a:t>
+            </a:r>
+            <a:r>
+              <a:rPr lang="en-US" sz="1800" smtClean="0"/>
+              <a:t> - operates on cached data in memory instead of the data stored in database</a:t>
+            </a:r>
+          </a:p>
+          <a:p>
+            <a:pPr marL="0" indent="0">
+              <a:buNone/>
+            </a:pPr>
+            <a:r>
+              <a:rPr lang="en-US" sz="1800" b="1"/>
+              <a:t>WebRowSet</a:t>
+            </a:r>
+            <a:r>
+              <a:rPr lang="en-US" sz="1800"/>
+              <a:t> - in addition to offering the capabilities of a CachedRowSet object, it can write itself to an XML document and can also read that XML document to convert itself back to </a:t>
+            </a:r>
+            <a:r>
+              <a:rPr lang="en-US" sz="1800"/>
+              <a:t>a </a:t>
+            </a:r>
+            <a:r>
+              <a:rPr lang="en-US" sz="1800" smtClean="0"/>
+              <a:t>WebRowSet</a:t>
+            </a:r>
+            <a:endParaRPr lang="en-US" sz="1800"/>
+          </a:p>
+          <a:p>
+            <a:pPr marL="0" indent="0">
+              <a:buNone/>
+            </a:pPr>
+            <a:r>
+              <a:rPr lang="en-US" sz="1800" b="1"/>
+              <a:t>JoinRowSet</a:t>
+            </a:r>
+            <a:r>
+              <a:rPr lang="en-US" sz="1800"/>
+              <a:t> </a:t>
+            </a:r>
+            <a:r>
+              <a:rPr lang="en-US" sz="1800"/>
+              <a:t>- </a:t>
+            </a:r>
+            <a:r>
+              <a:rPr lang="en-US" sz="1800" smtClean="0"/>
+              <a:t>lets </a:t>
+            </a:r>
+            <a:r>
+              <a:rPr lang="en-US" sz="1800"/>
+              <a:t>us create a SQL JOIN between RowSet objects when these are in memory. This is significant because it saves us the overhead of having to create one or more connections</a:t>
+            </a:r>
+          </a:p>
+          <a:p>
+            <a:pPr marL="0" indent="0">
+              <a:buNone/>
+            </a:pPr>
+            <a:r>
+              <a:rPr lang="en-US" sz="1800" b="1" smtClean="0"/>
+              <a:t>FilteredRowSet</a:t>
+            </a:r>
+            <a:r>
+              <a:rPr lang="en-US" sz="1800" smtClean="0"/>
+              <a:t> - gives us tbe ability to cut down the number of rows that are visible in a RowSet object.</a:t>
+            </a:r>
+          </a:p>
+          <a:p>
+            <a:pPr marL="0" indent="0">
+              <a:buNone/>
+            </a:pPr>
+            <a:r>
+              <a:rPr lang="en-US" sz="1800" smtClean="0"/>
+              <a:t>Here we can use regex patterns.</a:t>
+            </a:r>
+          </a:p>
+        </p:txBody>
+      </p:sp>
+    </p:spTree>
+    <p:extLst>
+      <p:ext uri="{BB962C8B-B14F-4D97-AF65-F5344CB8AC3E}">
+        <p14:creationId xmlns:p14="http://schemas.microsoft.com/office/powerpoint/2010/main" val="885078787"/>
       </p:ext>
     </p:extLst>
   </p:cSld>

--- a/JDBC.pptx
+++ b/JDBC.pptx
@@ -3048,17 +3048,7 @@
                   </a:schemeClr>
                 </a:solidFill>
               </a:rPr>
-              <a:t>https://</a:t>
-            </a:r>
-            <a:r>
-              <a:rPr lang="en-US" smtClean="0">
-                <a:solidFill>
-                  <a:schemeClr val="accent2">
-                    <a:lumMod val="75000"/>
-                  </a:schemeClr>
-                </a:solidFill>
-              </a:rPr>
-              <a:t>github.com/4uhonec/JDBC-demo</a:t>
+              <a:t>https://github.com/4uhonec/JDBC-demo</a:t>
             </a:r>
             <a:endParaRPr lang="en-US">
               <a:solidFill>
@@ -3666,16 +3656,20 @@
               <a:buNone/>
             </a:pPr>
             <a:r>
-              <a:rPr lang="en-US" sz="1800">
+              <a:rPr lang="en-US" sz="1800" smtClean="0">
                 <a:solidFill>
                   <a:srgbClr val="FF0000"/>
                 </a:solidFill>
               </a:rPr>
-              <a:t>*</a:t>
+              <a:t>[[[*</a:t>
+            </a:r>
+            <a:r>
+              <a:rPr lang="en-US" sz="1800" smtClean="0"/>
+              <a:t> </a:t>
             </a:r>
             <a:r>
               <a:rPr lang="en-US" sz="1800"/>
-              <a:t> By default, when we establish connection to database, it is in </a:t>
+              <a:t>By default, when we establish connection to database, it is in </a:t>
             </a:r>
             <a:r>
               <a:rPr lang="en-US" sz="1800">
@@ -3751,13 +3745,34 @@
                   </a:schemeClr>
                 </a:solidFill>
               </a:rPr>
-              <a:t>connection.commit();</a:t>
+              <a:t>connection.commit</a:t>
+            </a:r>
+            <a:r>
+              <a:rPr lang="en-US" sz="1800" smtClean="0">
+                <a:solidFill>
+                  <a:schemeClr val="accent2">
+                    <a:lumMod val="75000"/>
+                  </a:schemeClr>
+                </a:solidFill>
+              </a:rPr>
+              <a:t>();</a:t>
+            </a:r>
+          </a:p>
+          <a:p>
+            <a:pPr marL="0" indent="0">
+              <a:buNone/>
+            </a:pPr>
+            <a:r>
+              <a:rPr lang="en-US" sz="1800" smtClean="0">
+                <a:solidFill>
+                  <a:srgbClr val="FF0000"/>
+                </a:solidFill>
+              </a:rPr>
+              <a:t>]]]</a:t>
             </a:r>
             <a:endParaRPr lang="en-US" sz="1800">
               <a:solidFill>
-                <a:schemeClr val="accent2">
-                  <a:lumMod val="75000"/>
-                </a:schemeClr>
+                <a:srgbClr val="FF0000"/>
               </a:solidFill>
             </a:endParaRPr>
           </a:p>
@@ -4548,8 +4563,25 @@
                   </a:schemeClr>
                 </a:solidFill>
               </a:rPr>
-              <a:t>pstm.executeUpdate();</a:t>
-            </a:r>
+              <a:t>pstm.executeUpdate</a:t>
+            </a:r>
+            <a:r>
+              <a:rPr lang="en-US" sz="1800" smtClean="0">
+                <a:solidFill>
+                  <a:schemeClr val="accent2">
+                    <a:lumMod val="75000"/>
+                  </a:schemeClr>
+                </a:solidFill>
+              </a:rPr>
+              <a:t>(); //or executeQuery, or execute - it varies on sql string</a:t>
+            </a:r>
+            <a:endParaRPr lang="en-US" sz="1800" smtClean="0">
+              <a:solidFill>
+                <a:schemeClr val="accent2">
+                  <a:lumMod val="75000"/>
+                </a:schemeClr>
+              </a:solidFill>
+            </a:endParaRPr>
           </a:p>
           <a:p>
             <a:pPr marL="0" indent="0">
@@ -5873,11 +5905,7 @@
             </a:r>
             <a:r>
               <a:rPr lang="en-US" sz="1800"/>
-              <a:t>for the ResultSet object that adds some extra </a:t>
-            </a:r>
-            <a:r>
-              <a:rPr lang="en-US" sz="1800"/>
-              <a:t>features</a:t>
+              <a:t>for the ResultSet object that adds some extra features</a:t>
             </a:r>
             <a:r>
               <a:rPr lang="en-US" sz="1800" smtClean="0"/>
@@ -6265,11 +6293,7 @@
             </a:r>
             <a:r>
               <a:rPr lang="en-US" sz="1800"/>
-              <a:t> - in addition to offering the capabilities of a CachedRowSet object, it can write itself to an XML document and can also read that XML document to convert itself back to </a:t>
-            </a:r>
-            <a:r>
-              <a:rPr lang="en-US" sz="1800"/>
-              <a:t>a </a:t>
+              <a:t> - in addition to offering the capabilities of a CachedRowSet object, it can write itself to an XML document and can also read that XML document to convert itself back to a </a:t>
             </a:r>
             <a:r>
               <a:rPr lang="en-US" sz="1800" smtClean="0"/>
@@ -6287,11 +6311,7 @@
             </a:r>
             <a:r>
               <a:rPr lang="en-US" sz="1800"/>
-              <a:t> </a:t>
-            </a:r>
-            <a:r>
-              <a:rPr lang="en-US" sz="1800"/>
-              <a:t>- </a:t>
+              <a:t> - </a:t>
             </a:r>
             <a:r>
               <a:rPr lang="en-US" sz="1800" smtClean="0"/>

--- a/JDBC.pptx
+++ b/JDBC.pptx
@@ -3745,17 +3745,7 @@
                   </a:schemeClr>
                 </a:solidFill>
               </a:rPr>
-              <a:t>connection.commit</a:t>
-            </a:r>
-            <a:r>
-              <a:rPr lang="en-US" sz="1800" smtClean="0">
-                <a:solidFill>
-                  <a:schemeClr val="accent2">
-                    <a:lumMod val="75000"/>
-                  </a:schemeClr>
-                </a:solidFill>
-              </a:rPr>
-              <a:t>();</a:t>
+              <a:t>connection.commit();</a:t>
             </a:r>
           </a:p>
           <a:p>
@@ -4563,25 +4553,8 @@
                   </a:schemeClr>
                 </a:solidFill>
               </a:rPr>
-              <a:t>pstm.executeUpdate</a:t>
-            </a:r>
-            <a:r>
-              <a:rPr lang="en-US" sz="1800" smtClean="0">
-                <a:solidFill>
-                  <a:schemeClr val="accent2">
-                    <a:lumMod val="75000"/>
-                  </a:schemeClr>
-                </a:solidFill>
-              </a:rPr>
-              <a:t>(); //or executeQuery, or execute - it varies on sql string</a:t>
-            </a:r>
-            <a:endParaRPr lang="en-US" sz="1800" smtClean="0">
-              <a:solidFill>
-                <a:schemeClr val="accent2">
-                  <a:lumMod val="75000"/>
-                </a:schemeClr>
-              </a:solidFill>
-            </a:endParaRPr>
+              <a:t>pstm.executeUpdate(); //or executeQuery, or execute - it varies on sql string</a:t>
+            </a:r>
           </a:p>
           <a:p>
             <a:pPr marL="0" indent="0">
@@ -7675,7 +7648,7 @@
         </p:nvSpPr>
         <p:spPr>
           <a:xfrm>
-            <a:off x="383282" y="4534677"/>
+            <a:off x="383282" y="4716421"/>
             <a:ext cx="8561062" cy="1938992"/>
           </a:xfrm>
           <a:prstGeom prst="rect">
@@ -7755,7 +7728,7 @@
         <p:spPr>
           <a:xfrm>
             <a:off x="383282" y="1212980"/>
-            <a:ext cx="11843435" cy="3416320"/>
+            <a:ext cx="11843435" cy="3785652"/>
           </a:xfrm>
           <a:prstGeom prst="rect">
             <a:avLst/>
@@ -7781,7 +7754,7 @@
             </a:r>
             <a:r>
               <a:rPr lang="en-US" sz="2400" smtClean="0"/>
-              <a:t>driver</a:t>
+              <a:t>driver (bridge)</a:t>
             </a:r>
             <a:endParaRPr lang="en-US" sz="2400"/>
           </a:p>
@@ -7803,8 +7776,13 @@
             </a:r>
             <a:r>
               <a:rPr lang="en-US" sz="2400"/>
-              <a:t>called a native-API driver</a:t>
-            </a:r>
+              <a:t>called a native-API </a:t>
+            </a:r>
+            <a:r>
+              <a:rPr lang="en-US" sz="2400" smtClean="0"/>
+              <a:t>driver (high performance)</a:t>
+            </a:r>
+            <a:endParaRPr lang="en-US" sz="2400"/>
           </a:p>
           <a:p>
             <a:r>
@@ -7849,7 +7827,17 @@
             </a:r>
             <a:r>
               <a:rPr lang="en-US" sz="2400" smtClean="0"/>
-              <a:t>drivers, platform independent</a:t>
+              <a:t>drivers, platform </a:t>
+            </a:r>
+            <a:r>
+              <a:rPr lang="en-US" sz="2400" smtClean="0"/>
+              <a:t>independent</a:t>
+            </a:r>
+          </a:p>
+          <a:p>
+            <a:r>
+              <a:rPr lang="en-US" sz="2400" smtClean="0"/>
+              <a:t>Type 5 - custom drivers</a:t>
             </a:r>
             <a:endParaRPr lang="en-US" sz="2400"/>
           </a:p>
